--- a/GuiaRapido - Procuradoria Especial da Mulher - EPEM.pptx
+++ b/GuiaRapido - Procuradoria Especial da Mulher - EPEM.pptx
@@ -9936,8 +9936,21 @@
             <a:pPr algn="just"/>
             <a:r>
               <a:rPr lang="pt-BR" sz="1800" dirty="0" smtClean="0"/>
-              <a:t>Os menus poderão ser acionados através das imagens nos cantos direito e esquerdo superior da aplicação </a:t>
+              <a:t>Os menus poderão ser acionados através das imagens nos cantos direito e esquerdo </a:t>
             </a:r>
+            <a:r>
+              <a:rPr lang="pt-BR" sz="1800" dirty="0" smtClean="0"/>
+              <a:t>superiores </a:t>
+            </a:r>
+            <a:r>
+              <a:rPr lang="pt-BR" sz="1800" dirty="0" smtClean="0"/>
+              <a:t>da </a:t>
+            </a:r>
+            <a:r>
+              <a:rPr lang="pt-BR" sz="1800" dirty="0" smtClean="0"/>
+              <a:t>aplicativo </a:t>
+            </a:r>
+            <a:endParaRPr lang="pt-BR" sz="1800" dirty="0" smtClean="0"/>
           </a:p>
         </p:txBody>
       </p:sp>
@@ -10066,8 +10079,8 @@
         </p:nvSpPr>
         <p:spPr>
           <a:xfrm>
-            <a:off x="5337422" y="2841882"/>
-            <a:ext cx="3069718" cy="1200329"/>
+            <a:off x="5337422" y="2980382"/>
+            <a:ext cx="3069718" cy="923330"/>
           </a:xfrm>
           <a:prstGeom prst="rect">
             <a:avLst/>
@@ -10083,7 +10096,15 @@
             <a:pPr algn="just"/>
             <a:r>
               <a:rPr lang="pt-BR" sz="1800" dirty="0" smtClean="0"/>
-              <a:t>Uma vez acionado o menu ele abrirá as opções que poderão ser acionadas com um simples toque </a:t>
+              <a:t>Uma vez acionado o menu ele abrirá as opções </a:t>
+            </a:r>
+            <a:r>
+              <a:rPr lang="pt-BR" sz="1800" dirty="0" smtClean="0"/>
+              <a:t>com </a:t>
+            </a:r>
+            <a:r>
+              <a:rPr lang="pt-BR" sz="1800" dirty="0" smtClean="0"/>
+              <a:t>um simples toque </a:t>
             </a:r>
           </a:p>
         </p:txBody>
@@ -10797,8 +10818,8 @@
         </p:nvSpPr>
         <p:spPr>
           <a:xfrm>
-            <a:off x="5616480" y="5523705"/>
-            <a:ext cx="2179983" cy="1200329"/>
+            <a:off x="6000200" y="5523705"/>
+            <a:ext cx="1796263" cy="1200329"/>
           </a:xfrm>
           <a:prstGeom prst="rect">
             <a:avLst/>
@@ -10813,9 +10834,30 @@
           <a:p>
             <a:pPr algn="just"/>
             <a:r>
+              <a:rPr lang="pt-BR" sz="1800" b="1" dirty="0" err="1" smtClean="0"/>
+              <a:t>Dica:Tocando</a:t>
+            </a:r>
+            <a:r>
               <a:rPr lang="pt-BR" sz="1800" b="1" dirty="0" smtClean="0"/>
-              <a:t>Tocando nesse ícone ele será realizada uma chamada.</a:t>
+              <a:t> </a:t>
             </a:r>
+            <a:r>
+              <a:rPr lang="pt-BR" sz="1800" b="1" dirty="0" smtClean="0"/>
+              <a:t>nesse </a:t>
+            </a:r>
+            <a:r>
+              <a:rPr lang="pt-BR" sz="1800" b="1" dirty="0" smtClean="0"/>
+              <a:t>ícone </a:t>
+            </a:r>
+            <a:r>
+              <a:rPr lang="pt-BR" sz="1800" b="1" dirty="0" smtClean="0"/>
+              <a:t>uma </a:t>
+            </a:r>
+            <a:r>
+              <a:rPr lang="pt-BR" sz="1800" b="1" dirty="0" smtClean="0"/>
+              <a:t>chamada será realizada.</a:t>
+            </a:r>
+            <a:endParaRPr lang="pt-BR" sz="1800" b="1" dirty="0" smtClean="0"/>
           </a:p>
         </p:txBody>
       </p:sp>
@@ -11084,7 +11126,7 @@
         <p:spPr>
           <a:xfrm>
             <a:off x="2098415" y="2870069"/>
-            <a:ext cx="2455221" cy="2308324"/>
+            <a:ext cx="2455221" cy="1754326"/>
           </a:xfrm>
           <a:prstGeom prst="rect">
             <a:avLst/>
@@ -11100,8 +11142,21 @@
             <a:pPr algn="just"/>
             <a:r>
               <a:rPr lang="pt-BR" sz="1800" dirty="0" smtClean="0"/>
-              <a:t>A ferramenta possui também opção de acessibilidade onde é possível ouvir a transcrição e ver o vídeo libras , basta tocar em uma das opções.</a:t>
+              <a:t>A ferramenta possui também </a:t>
             </a:r>
+            <a:r>
+              <a:rPr lang="pt-BR" sz="1800" dirty="0" smtClean="0"/>
+              <a:t>as opções </a:t>
+            </a:r>
+            <a:r>
+              <a:rPr lang="pt-BR" sz="1800" dirty="0" smtClean="0"/>
+              <a:t>de </a:t>
+            </a:r>
+            <a:r>
+              <a:rPr lang="pt-BR" sz="1800" dirty="0" smtClean="0"/>
+              <a:t>áudio para pessoas com deficiência visual e um vídeo com tradução para libras.</a:t>
+            </a:r>
+            <a:endParaRPr lang="pt-BR" sz="1800" dirty="0" smtClean="0"/>
           </a:p>
         </p:txBody>
       </p:sp>
